--- a/classes/stats2015/Lecture22.pptx
+++ b/classes/stats2015/Lecture22.pptx
@@ -15,13 +15,15 @@
     <p:sldId id="263" r:id="rId9"/>
     <p:sldId id="264" r:id="rId10"/>
     <p:sldId id="267" r:id="rId11"/>
-    <p:sldId id="269" r:id="rId12"/>
-    <p:sldId id="271" r:id="rId13"/>
-    <p:sldId id="272" r:id="rId14"/>
-    <p:sldId id="274" r:id="rId15"/>
-    <p:sldId id="277" r:id="rId16"/>
-    <p:sldId id="276" r:id="rId17"/>
-    <p:sldId id="275" r:id="rId18"/>
+    <p:sldId id="278" r:id="rId12"/>
+    <p:sldId id="269" r:id="rId13"/>
+    <p:sldId id="271" r:id="rId14"/>
+    <p:sldId id="272" r:id="rId15"/>
+    <p:sldId id="279" r:id="rId16"/>
+    <p:sldId id="274" r:id="rId17"/>
+    <p:sldId id="277" r:id="rId18"/>
+    <p:sldId id="276" r:id="rId19"/>
+    <p:sldId id="275" r:id="rId20"/>
   </p:sldIdLst>
   <p:sldSz cx="9144000" cy="6858000" type="screen4x3"/>
   <p:notesSz cx="6858000" cy="9144000"/>
@@ -305,7 +307,7 @@
             <a:fld id="{1D8BD707-D9CF-40AE-B4C6-C98DA3205C09}" type="datetimeFigureOut">
               <a:rPr lang="en-US" smtClean="0"/>
               <a:pPr/>
-              <a:t>4/19/2015</a:t>
+              <a:t>4/21/2015</a:t>
             </a:fld>
             <a:endParaRPr lang="en-US"/>
           </a:p>
@@ -472,7 +474,7 @@
             <a:fld id="{1D8BD707-D9CF-40AE-B4C6-C98DA3205C09}" type="datetimeFigureOut">
               <a:rPr lang="en-US" smtClean="0"/>
               <a:pPr/>
-              <a:t>4/19/2015</a:t>
+              <a:t>4/21/2015</a:t>
             </a:fld>
             <a:endParaRPr lang="en-US"/>
           </a:p>
@@ -649,7 +651,7 @@
             <a:fld id="{1D8BD707-D9CF-40AE-B4C6-C98DA3205C09}" type="datetimeFigureOut">
               <a:rPr lang="en-US" smtClean="0"/>
               <a:pPr/>
-              <a:t>4/19/2015</a:t>
+              <a:t>4/21/2015</a:t>
             </a:fld>
             <a:endParaRPr lang="en-US"/>
           </a:p>
@@ -816,7 +818,7 @@
             <a:fld id="{1D8BD707-D9CF-40AE-B4C6-C98DA3205C09}" type="datetimeFigureOut">
               <a:rPr lang="en-US" smtClean="0"/>
               <a:pPr/>
-              <a:t>4/19/2015</a:t>
+              <a:t>4/21/2015</a:t>
             </a:fld>
             <a:endParaRPr lang="en-US"/>
           </a:p>
@@ -1059,7 +1061,7 @@
             <a:fld id="{1D8BD707-D9CF-40AE-B4C6-C98DA3205C09}" type="datetimeFigureOut">
               <a:rPr lang="en-US" smtClean="0"/>
               <a:pPr/>
-              <a:t>4/19/2015</a:t>
+              <a:t>4/21/2015</a:t>
             </a:fld>
             <a:endParaRPr lang="en-US"/>
           </a:p>
@@ -1344,7 +1346,7 @@
             <a:fld id="{1D8BD707-D9CF-40AE-B4C6-C98DA3205C09}" type="datetimeFigureOut">
               <a:rPr lang="en-US" smtClean="0"/>
               <a:pPr/>
-              <a:t>4/19/2015</a:t>
+              <a:t>4/21/2015</a:t>
             </a:fld>
             <a:endParaRPr lang="en-US"/>
           </a:p>
@@ -1763,7 +1765,7 @@
             <a:fld id="{1D8BD707-D9CF-40AE-B4C6-C98DA3205C09}" type="datetimeFigureOut">
               <a:rPr lang="en-US" smtClean="0"/>
               <a:pPr/>
-              <a:t>4/19/2015</a:t>
+              <a:t>4/21/2015</a:t>
             </a:fld>
             <a:endParaRPr lang="en-US"/>
           </a:p>
@@ -1878,7 +1880,7 @@
             <a:fld id="{1D8BD707-D9CF-40AE-B4C6-C98DA3205C09}" type="datetimeFigureOut">
               <a:rPr lang="en-US" smtClean="0"/>
               <a:pPr/>
-              <a:t>4/19/2015</a:t>
+              <a:t>4/21/2015</a:t>
             </a:fld>
             <a:endParaRPr lang="en-US"/>
           </a:p>
@@ -1970,7 +1972,7 @@
             <a:fld id="{1D8BD707-D9CF-40AE-B4C6-C98DA3205C09}" type="datetimeFigureOut">
               <a:rPr lang="en-US" smtClean="0"/>
               <a:pPr/>
-              <a:t>4/19/2015</a:t>
+              <a:t>4/21/2015</a:t>
             </a:fld>
             <a:endParaRPr lang="en-US"/>
           </a:p>
@@ -2244,7 +2246,7 @@
             <a:fld id="{1D8BD707-D9CF-40AE-B4C6-C98DA3205C09}" type="datetimeFigureOut">
               <a:rPr lang="en-US" smtClean="0"/>
               <a:pPr/>
-              <a:t>4/19/2015</a:t>
+              <a:t>4/21/2015</a:t>
             </a:fld>
             <a:endParaRPr lang="en-US"/>
           </a:p>
@@ -2494,7 +2496,7 @@
             <a:fld id="{1D8BD707-D9CF-40AE-B4C6-C98DA3205C09}" type="datetimeFigureOut">
               <a:rPr lang="en-US" smtClean="0"/>
               <a:pPr/>
-              <a:t>4/19/2015</a:t>
+              <a:t>4/21/2015</a:t>
             </a:fld>
             <a:endParaRPr lang="en-US"/>
           </a:p>
@@ -2704,7 +2706,7 @@
             <a:fld id="{1D8BD707-D9CF-40AE-B4C6-C98DA3205C09}" type="datetimeFigureOut">
               <a:rPr lang="en-US" smtClean="0"/>
               <a:pPr/>
-              <a:t>4/19/2015</a:t>
+              <a:t>4/21/2015</a:t>
             </a:fld>
             <a:endParaRPr lang="en-US"/>
           </a:p>
@@ -3316,7 +3318,7 @@
       </p:grpSpPr>
       <p:pic>
         <p:nvPicPr>
-          <p:cNvPr id="6146" name="Picture 2"/>
+          <p:cNvPr id="1026" name="Picture 2"/>
           <p:cNvPicPr>
             <a:picLocks noChangeAspect="1" noChangeArrowheads="1"/>
           </p:cNvPicPr>
@@ -3331,8 +3333,8 @@
         </p:blipFill>
         <p:spPr bwMode="auto">
           <a:xfrm>
-            <a:off x="228600" y="158750"/>
-            <a:ext cx="8496300" cy="1593850"/>
+            <a:off x="233363" y="533400"/>
+            <a:ext cx="8677275" cy="5667375"/>
           </a:xfrm>
           <a:prstGeom prst="rect">
             <a:avLst/>
@@ -3346,72 +3348,72 @@
           </a:ln>
         </p:spPr>
       </p:pic>
-      <p:pic>
-        <p:nvPicPr>
-          <p:cNvPr id="6147" name="Picture 3"/>
-          <p:cNvPicPr>
-            <a:picLocks noChangeAspect="1" noChangeArrowheads="1"/>
-          </p:cNvPicPr>
-          <p:nvPr/>
-        </p:nvPicPr>
-        <p:blipFill>
-          <a:blip r:embed="rId3" cstate="print"/>
-          <a:srcRect/>
-          <a:stretch>
-            <a:fillRect/>
-          </a:stretch>
-        </p:blipFill>
-        <p:spPr bwMode="auto">
-          <a:xfrm>
-            <a:off x="2133600" y="1828800"/>
-            <a:ext cx="4749800" cy="4730750"/>
-          </a:xfrm>
-          <a:prstGeom prst="rect">
-            <a:avLst/>
-          </a:prstGeom>
-          <a:noFill/>
-          <a:ln w="9525">
-            <a:noFill/>
-            <a:miter lim="800000"/>
-            <a:headEnd/>
-            <a:tailEnd/>
+      <p:cxnSp>
+        <p:nvCxnSpPr>
+          <p:cNvPr id="6" name="Straight Arrow Connector 5"/>
+          <p:cNvCxnSpPr/>
+          <p:nvPr/>
+        </p:nvCxnSpPr>
+        <p:spPr>
+          <a:xfrm flipH="1">
+            <a:off x="5410200" y="2514600"/>
+            <a:ext cx="533400" cy="304800"/>
+          </a:xfrm>
+          <a:prstGeom prst="straightConnector1">
+            <a:avLst/>
+          </a:prstGeom>
+          <a:ln>
+            <a:tailEnd type="arrow"/>
           </a:ln>
         </p:spPr>
-      </p:pic>
-      <p:sp>
-        <p:nvSpPr>
-          <p:cNvPr id="7" name="TextBox 6"/>
-          <p:cNvSpPr txBox="1"/>
-          <p:nvPr/>
-        </p:nvSpPr>
-        <p:spPr>
-          <a:xfrm>
-            <a:off x="3742368" y="0"/>
-            <a:ext cx="2429832" cy="369332"/>
-          </a:xfrm>
-          <a:prstGeom prst="rect">
-            <a:avLst/>
-          </a:prstGeom>
-          <a:noFill/>
-        </p:spPr>
-        <p:txBody>
-          <a:bodyPr wrap="none" rtlCol="0">
-            <a:spAutoFit/>
-          </a:bodyPr>
-          <a:lstStyle/>
-          <a:p>
-            <a:r>
-              <a:rPr lang="en-US" dirty="0" smtClean="0"/>
-              <a:t>The </a:t>
-            </a:r>
-            <a:r>
-              <a:rPr lang="en-US" smtClean="0"/>
-              <a:t>negative binomial…</a:t>
-            </a:r>
-            <a:endParaRPr lang="en-US"/>
-          </a:p>
-        </p:txBody>
-      </p:sp>
+        <p:style>
+          <a:lnRef idx="1">
+            <a:schemeClr val="accent1"/>
+          </a:lnRef>
+          <a:fillRef idx="0">
+            <a:schemeClr val="accent1"/>
+          </a:fillRef>
+          <a:effectRef idx="0">
+            <a:schemeClr val="accent1"/>
+          </a:effectRef>
+          <a:fontRef idx="minor">
+            <a:schemeClr val="tx1"/>
+          </a:fontRef>
+        </p:style>
+      </p:cxnSp>
+      <p:cxnSp>
+        <p:nvCxnSpPr>
+          <p:cNvPr id="8" name="Straight Arrow Connector 7"/>
+          <p:cNvCxnSpPr/>
+          <p:nvPr/>
+        </p:nvCxnSpPr>
+        <p:spPr>
+          <a:xfrm flipH="1">
+            <a:off x="6705600" y="3581400"/>
+            <a:ext cx="533400" cy="381000"/>
+          </a:xfrm>
+          <a:prstGeom prst="straightConnector1">
+            <a:avLst/>
+          </a:prstGeom>
+          <a:ln>
+            <a:tailEnd type="arrow"/>
+          </a:ln>
+        </p:spPr>
+        <p:style>
+          <a:lnRef idx="1">
+            <a:schemeClr val="accent1"/>
+          </a:lnRef>
+          <a:fillRef idx="0">
+            <a:schemeClr val="accent1"/>
+          </a:fillRef>
+          <a:effectRef idx="0">
+            <a:schemeClr val="accent1"/>
+          </a:effectRef>
+          <a:fontRef idx="minor">
+            <a:schemeClr val="tx1"/>
+          </a:fontRef>
+        </p:style>
+      </p:cxnSp>
     </p:spTree>
   </p:cSld>
   <p:clrMapOvr>
@@ -3437,39 +3439,9 @@
           <a:chExt cx="0" cy="0"/>
         </a:xfrm>
       </p:grpSpPr>
-      <p:sp>
-        <p:nvSpPr>
-          <p:cNvPr id="4" name="TextBox 3"/>
-          <p:cNvSpPr txBox="1"/>
-          <p:nvPr/>
-        </p:nvSpPr>
-        <p:spPr>
-          <a:xfrm>
-            <a:off x="533400" y="164068"/>
-            <a:ext cx="4312463" cy="369332"/>
-          </a:xfrm>
-          <a:prstGeom prst="rect">
-            <a:avLst/>
-          </a:prstGeom>
-          <a:noFill/>
-        </p:spPr>
-        <p:txBody>
-          <a:bodyPr wrap="none" rtlCol="0">
-            <a:spAutoFit/>
-          </a:bodyPr>
-          <a:lstStyle/>
-          <a:p>
-            <a:r>
-              <a:rPr lang="en-US" dirty="0" smtClean="0"/>
-              <a:t>Finally, the zero inflated negative binomial…</a:t>
-            </a:r>
-            <a:endParaRPr lang="en-US" dirty="0"/>
-          </a:p>
-        </p:txBody>
-      </p:sp>
       <p:pic>
         <p:nvPicPr>
-          <p:cNvPr id="8194" name="Picture 2"/>
+          <p:cNvPr id="6146" name="Picture 2"/>
           <p:cNvPicPr>
             <a:picLocks noChangeAspect="1" noChangeArrowheads="1"/>
           </p:cNvPicPr>
@@ -3484,8 +3456,8 @@
         </p:blipFill>
         <p:spPr bwMode="auto">
           <a:xfrm>
-            <a:off x="228600" y="762000"/>
-            <a:ext cx="8788400" cy="2425700"/>
+            <a:off x="228600" y="158750"/>
+            <a:ext cx="8496300" cy="1593850"/>
           </a:xfrm>
           <a:prstGeom prst="rect">
             <a:avLst/>
@@ -3501,7 +3473,7 @@
       </p:pic>
       <p:pic>
         <p:nvPicPr>
-          <p:cNvPr id="8195" name="Picture 3"/>
+          <p:cNvPr id="6147" name="Picture 3"/>
           <p:cNvPicPr>
             <a:picLocks noChangeAspect="1" noChangeArrowheads="1"/>
           </p:cNvPicPr>
@@ -3516,8 +3488,8 @@
         </p:blipFill>
         <p:spPr bwMode="auto">
           <a:xfrm>
-            <a:off x="0" y="4114800"/>
-            <a:ext cx="8470900" cy="1879600"/>
+            <a:off x="2133600" y="1828800"/>
+            <a:ext cx="4749800" cy="4730750"/>
           </a:xfrm>
           <a:prstGeom prst="rect">
             <a:avLst/>
@@ -3539,8 +3511,8 @@
         </p:nvSpPr>
         <p:spPr>
           <a:xfrm>
-            <a:off x="533400" y="3669268"/>
-            <a:ext cx="2219967" cy="369332"/>
+            <a:off x="3742368" y="0"/>
+            <a:ext cx="2429832" cy="369332"/>
           </a:xfrm>
           <a:prstGeom prst="rect">
             <a:avLst/>
@@ -3555,150 +3527,16 @@
           <a:p>
             <a:r>
               <a:rPr lang="en-US" dirty="0" smtClean="0"/>
-              <a:t>From the </a:t>
-            </a:r>
-            <a:r>
-              <a:rPr lang="en-US" dirty="0" err="1" smtClean="0"/>
-              <a:t>Zuur</a:t>
-            </a:r>
-            <a:r>
-              <a:rPr lang="en-US" dirty="0" smtClean="0"/>
-              <a:t> book…</a:t>
-            </a:r>
-            <a:endParaRPr lang="en-US" dirty="0"/>
-          </a:p>
-        </p:txBody>
-      </p:sp>
-      <p:pic>
-        <p:nvPicPr>
-          <p:cNvPr id="8" name="Picture 4"/>
-          <p:cNvPicPr>
-            <a:picLocks noChangeAspect="1" noChangeArrowheads="1"/>
-          </p:cNvPicPr>
-          <p:nvPr/>
-        </p:nvPicPr>
-        <p:blipFill>
-          <a:blip r:embed="rId4" cstate="print"/>
-          <a:srcRect/>
-          <a:stretch>
-            <a:fillRect/>
-          </a:stretch>
-        </p:blipFill>
-        <p:spPr bwMode="auto">
-          <a:xfrm>
-            <a:off x="6019800" y="1695450"/>
-            <a:ext cx="2286000" cy="438150"/>
-          </a:xfrm>
-          <a:prstGeom prst="rect">
-            <a:avLst/>
-          </a:prstGeom>
-          <a:noFill/>
-          <a:ln w="9525">
-            <a:noFill/>
-            <a:miter lim="800000"/>
-            <a:headEnd/>
-            <a:tailEnd/>
-          </a:ln>
-        </p:spPr>
-      </p:pic>
-      <p:pic>
-        <p:nvPicPr>
-          <p:cNvPr id="9" name="Picture 5"/>
-          <p:cNvPicPr>
-            <a:picLocks noChangeAspect="1" noChangeArrowheads="1"/>
-          </p:cNvPicPr>
-          <p:nvPr/>
-        </p:nvPicPr>
-        <p:blipFill>
-          <a:blip r:embed="rId5" cstate="print"/>
-          <a:srcRect/>
-          <a:stretch>
-            <a:fillRect/>
-          </a:stretch>
-        </p:blipFill>
-        <p:spPr bwMode="auto">
-          <a:xfrm>
-            <a:off x="5867400" y="1981200"/>
-            <a:ext cx="2533650" cy="714375"/>
-          </a:xfrm>
-          <a:prstGeom prst="rect">
-            <a:avLst/>
-          </a:prstGeom>
-          <a:noFill/>
-          <a:ln w="9525">
-            <a:noFill/>
-            <a:miter lim="800000"/>
-            <a:headEnd/>
-            <a:tailEnd/>
-          </a:ln>
-        </p:spPr>
-      </p:pic>
-      <p:cxnSp>
-        <p:nvCxnSpPr>
-          <p:cNvPr id="11" name="Straight Arrow Connector 10"/>
-          <p:cNvCxnSpPr/>
-          <p:nvPr/>
-        </p:nvCxnSpPr>
-        <p:spPr>
-          <a:xfrm flipV="1">
-            <a:off x="3810000" y="1905000"/>
-            <a:ext cx="2133600" cy="152400"/>
-          </a:xfrm>
-          <a:prstGeom prst="straightConnector1">
-            <a:avLst/>
-          </a:prstGeom>
-          <a:ln>
-            <a:tailEnd type="arrow"/>
-          </a:ln>
-        </p:spPr>
-        <p:style>
-          <a:lnRef idx="1">
-            <a:schemeClr val="accent1"/>
-          </a:lnRef>
-          <a:fillRef idx="0">
-            <a:schemeClr val="accent1"/>
-          </a:fillRef>
-          <a:effectRef idx="0">
-            <a:schemeClr val="accent1"/>
-          </a:effectRef>
-          <a:fontRef idx="minor">
-            <a:schemeClr val="tx1"/>
-          </a:fontRef>
-        </p:style>
-      </p:cxnSp>
-      <p:cxnSp>
-        <p:nvCxnSpPr>
-          <p:cNvPr id="13" name="Straight Arrow Connector 12"/>
-          <p:cNvCxnSpPr/>
-          <p:nvPr/>
-        </p:nvCxnSpPr>
-        <p:spPr>
-          <a:xfrm>
-            <a:off x="5181600" y="2209800"/>
-            <a:ext cx="914400" cy="152400"/>
-          </a:xfrm>
-          <a:prstGeom prst="straightConnector1">
-            <a:avLst/>
-          </a:prstGeom>
-          <a:ln>
-            <a:tailEnd type="arrow"/>
-          </a:ln>
-        </p:spPr>
-        <p:style>
-          <a:lnRef idx="1">
-            <a:schemeClr val="accent1"/>
-          </a:lnRef>
-          <a:fillRef idx="0">
-            <a:schemeClr val="accent1"/>
-          </a:fillRef>
-          <a:effectRef idx="0">
-            <a:schemeClr val="accent1"/>
-          </a:effectRef>
-          <a:fontRef idx="minor">
-            <a:schemeClr val="tx1"/>
-          </a:fontRef>
-        </p:style>
-      </p:cxnSp>
+              <a:t>The </a:t>
+            </a:r>
+            <a:r>
+              <a:rPr lang="en-US" smtClean="0"/>
+              <a:t>negative binomial…</a:t>
+            </a:r>
+            <a:endParaRPr lang="en-US"/>
+          </a:p>
+        </p:txBody>
+      </p:sp>
     </p:spTree>
   </p:cSld>
   <p:clrMapOvr>
@@ -3724,9 +3562,39 @@
           <a:chExt cx="0" cy="0"/>
         </a:xfrm>
       </p:grpSpPr>
+      <p:sp>
+        <p:nvSpPr>
+          <p:cNvPr id="4" name="TextBox 3"/>
+          <p:cNvSpPr txBox="1"/>
+          <p:nvPr/>
+        </p:nvSpPr>
+        <p:spPr>
+          <a:xfrm>
+            <a:off x="533400" y="164068"/>
+            <a:ext cx="4312463" cy="369332"/>
+          </a:xfrm>
+          <a:prstGeom prst="rect">
+            <a:avLst/>
+          </a:prstGeom>
+          <a:noFill/>
+        </p:spPr>
+        <p:txBody>
+          <a:bodyPr wrap="none" rtlCol="0">
+            <a:spAutoFit/>
+          </a:bodyPr>
+          <a:lstStyle/>
+          <a:p>
+            <a:r>
+              <a:rPr lang="en-US" dirty="0" smtClean="0"/>
+              <a:t>Finally, the zero inflated negative binomial…</a:t>
+            </a:r>
+            <a:endParaRPr lang="en-US" dirty="0"/>
+          </a:p>
+        </p:txBody>
+      </p:sp>
       <p:pic>
         <p:nvPicPr>
-          <p:cNvPr id="9219" name="Picture 3"/>
+          <p:cNvPr id="8194" name="Picture 2"/>
           <p:cNvPicPr>
             <a:picLocks noChangeAspect="1" noChangeArrowheads="1"/>
           </p:cNvPicPr>
@@ -3741,8 +3609,8 @@
         </p:blipFill>
         <p:spPr bwMode="auto">
           <a:xfrm>
-            <a:off x="304800" y="533400"/>
-            <a:ext cx="8534400" cy="5553075"/>
+            <a:off x="228600" y="762000"/>
+            <a:ext cx="8788400" cy="2425700"/>
           </a:xfrm>
           <a:prstGeom prst="rect">
             <a:avLst/>
@@ -3756,6 +3624,206 @@
           </a:ln>
         </p:spPr>
       </p:pic>
+      <p:pic>
+        <p:nvPicPr>
+          <p:cNvPr id="8195" name="Picture 3"/>
+          <p:cNvPicPr>
+            <a:picLocks noChangeAspect="1" noChangeArrowheads="1"/>
+          </p:cNvPicPr>
+          <p:nvPr/>
+        </p:nvPicPr>
+        <p:blipFill>
+          <a:blip r:embed="rId3" cstate="print"/>
+          <a:srcRect/>
+          <a:stretch>
+            <a:fillRect/>
+          </a:stretch>
+        </p:blipFill>
+        <p:spPr bwMode="auto">
+          <a:xfrm>
+            <a:off x="0" y="4114800"/>
+            <a:ext cx="8470900" cy="1879600"/>
+          </a:xfrm>
+          <a:prstGeom prst="rect">
+            <a:avLst/>
+          </a:prstGeom>
+          <a:noFill/>
+          <a:ln w="9525">
+            <a:noFill/>
+            <a:miter lim="800000"/>
+            <a:headEnd/>
+            <a:tailEnd/>
+          </a:ln>
+        </p:spPr>
+      </p:pic>
+      <p:sp>
+        <p:nvSpPr>
+          <p:cNvPr id="7" name="TextBox 6"/>
+          <p:cNvSpPr txBox="1"/>
+          <p:nvPr/>
+        </p:nvSpPr>
+        <p:spPr>
+          <a:xfrm>
+            <a:off x="533400" y="3669268"/>
+            <a:ext cx="2219967" cy="369332"/>
+          </a:xfrm>
+          <a:prstGeom prst="rect">
+            <a:avLst/>
+          </a:prstGeom>
+          <a:noFill/>
+        </p:spPr>
+        <p:txBody>
+          <a:bodyPr wrap="none" rtlCol="0">
+            <a:spAutoFit/>
+          </a:bodyPr>
+          <a:lstStyle/>
+          <a:p>
+            <a:r>
+              <a:rPr lang="en-US" dirty="0" smtClean="0"/>
+              <a:t>From the </a:t>
+            </a:r>
+            <a:r>
+              <a:rPr lang="en-US" dirty="0" err="1" smtClean="0"/>
+              <a:t>Zuur</a:t>
+            </a:r>
+            <a:r>
+              <a:rPr lang="en-US" dirty="0" smtClean="0"/>
+              <a:t> book…</a:t>
+            </a:r>
+            <a:endParaRPr lang="en-US" dirty="0"/>
+          </a:p>
+        </p:txBody>
+      </p:sp>
+      <p:pic>
+        <p:nvPicPr>
+          <p:cNvPr id="8" name="Picture 4"/>
+          <p:cNvPicPr>
+            <a:picLocks noChangeAspect="1" noChangeArrowheads="1"/>
+          </p:cNvPicPr>
+          <p:nvPr/>
+        </p:nvPicPr>
+        <p:blipFill>
+          <a:blip r:embed="rId4" cstate="print"/>
+          <a:srcRect/>
+          <a:stretch>
+            <a:fillRect/>
+          </a:stretch>
+        </p:blipFill>
+        <p:spPr bwMode="auto">
+          <a:xfrm>
+            <a:off x="6019800" y="1695450"/>
+            <a:ext cx="2286000" cy="438150"/>
+          </a:xfrm>
+          <a:prstGeom prst="rect">
+            <a:avLst/>
+          </a:prstGeom>
+          <a:noFill/>
+          <a:ln w="9525">
+            <a:noFill/>
+            <a:miter lim="800000"/>
+            <a:headEnd/>
+            <a:tailEnd/>
+          </a:ln>
+        </p:spPr>
+      </p:pic>
+      <p:pic>
+        <p:nvPicPr>
+          <p:cNvPr id="9" name="Picture 5"/>
+          <p:cNvPicPr>
+            <a:picLocks noChangeAspect="1" noChangeArrowheads="1"/>
+          </p:cNvPicPr>
+          <p:nvPr/>
+        </p:nvPicPr>
+        <p:blipFill>
+          <a:blip r:embed="rId5" cstate="print"/>
+          <a:srcRect/>
+          <a:stretch>
+            <a:fillRect/>
+          </a:stretch>
+        </p:blipFill>
+        <p:spPr bwMode="auto">
+          <a:xfrm>
+            <a:off x="5867400" y="1981200"/>
+            <a:ext cx="2533650" cy="714375"/>
+          </a:xfrm>
+          <a:prstGeom prst="rect">
+            <a:avLst/>
+          </a:prstGeom>
+          <a:noFill/>
+          <a:ln w="9525">
+            <a:noFill/>
+            <a:miter lim="800000"/>
+            <a:headEnd/>
+            <a:tailEnd/>
+          </a:ln>
+        </p:spPr>
+      </p:pic>
+      <p:cxnSp>
+        <p:nvCxnSpPr>
+          <p:cNvPr id="11" name="Straight Arrow Connector 10"/>
+          <p:cNvCxnSpPr/>
+          <p:nvPr/>
+        </p:nvCxnSpPr>
+        <p:spPr>
+          <a:xfrm flipV="1">
+            <a:off x="3810000" y="1905000"/>
+            <a:ext cx="2133600" cy="152400"/>
+          </a:xfrm>
+          <a:prstGeom prst="straightConnector1">
+            <a:avLst/>
+          </a:prstGeom>
+          <a:ln>
+            <a:tailEnd type="arrow"/>
+          </a:ln>
+        </p:spPr>
+        <p:style>
+          <a:lnRef idx="1">
+            <a:schemeClr val="accent1"/>
+          </a:lnRef>
+          <a:fillRef idx="0">
+            <a:schemeClr val="accent1"/>
+          </a:fillRef>
+          <a:effectRef idx="0">
+            <a:schemeClr val="accent1"/>
+          </a:effectRef>
+          <a:fontRef idx="minor">
+            <a:schemeClr val="tx1"/>
+          </a:fontRef>
+        </p:style>
+      </p:cxnSp>
+      <p:cxnSp>
+        <p:nvCxnSpPr>
+          <p:cNvPr id="13" name="Straight Arrow Connector 12"/>
+          <p:cNvCxnSpPr/>
+          <p:nvPr/>
+        </p:nvCxnSpPr>
+        <p:spPr>
+          <a:xfrm>
+            <a:off x="5181600" y="2209800"/>
+            <a:ext cx="914400" cy="152400"/>
+          </a:xfrm>
+          <a:prstGeom prst="straightConnector1">
+            <a:avLst/>
+          </a:prstGeom>
+          <a:ln>
+            <a:tailEnd type="arrow"/>
+          </a:ln>
+        </p:spPr>
+        <p:style>
+          <a:lnRef idx="1">
+            <a:schemeClr val="accent1"/>
+          </a:lnRef>
+          <a:fillRef idx="0">
+            <a:schemeClr val="accent1"/>
+          </a:fillRef>
+          <a:effectRef idx="0">
+            <a:schemeClr val="accent1"/>
+          </a:effectRef>
+          <a:fontRef idx="minor">
+            <a:schemeClr val="tx1"/>
+          </a:fontRef>
+        </p:style>
+      </p:cxnSp>
     </p:spTree>
   </p:cSld>
   <p:clrMapOvr>
@@ -3783,7 +3851,7 @@
       </p:grpSpPr>
       <p:pic>
         <p:nvPicPr>
-          <p:cNvPr id="11267" name="Picture 3"/>
+          <p:cNvPr id="9219" name="Picture 3"/>
           <p:cNvPicPr>
             <a:picLocks noChangeAspect="1" noChangeArrowheads="1"/>
           </p:cNvPicPr>
@@ -3798,8 +3866,8 @@
         </p:blipFill>
         <p:spPr bwMode="auto">
           <a:xfrm>
-            <a:off x="914400" y="533399"/>
-            <a:ext cx="7467600" cy="6280329"/>
+            <a:off x="304800" y="533400"/>
+            <a:ext cx="8534400" cy="5553075"/>
           </a:xfrm>
           <a:prstGeom prst="rect">
             <a:avLst/>
@@ -3813,36 +3881,6 @@
           </a:ln>
         </p:spPr>
       </p:pic>
-      <p:sp>
-        <p:nvSpPr>
-          <p:cNvPr id="6" name="TextBox 5"/>
-          <p:cNvSpPr txBox="1"/>
-          <p:nvPr/>
-        </p:nvSpPr>
-        <p:spPr>
-          <a:xfrm>
-            <a:off x="1371600" y="152400"/>
-            <a:ext cx="3539752" cy="369332"/>
-          </a:xfrm>
-          <a:prstGeom prst="rect">
-            <a:avLst/>
-          </a:prstGeom>
-          <a:noFill/>
-        </p:spPr>
-        <p:txBody>
-          <a:bodyPr wrap="none" rtlCol="0">
-            <a:spAutoFit/>
-          </a:bodyPr>
-          <a:lstStyle/>
-          <a:p>
-            <a:r>
-              <a:rPr lang="en-US" smtClean="0"/>
-              <a:t>A summary view of all our models…</a:t>
-            </a:r>
-            <a:endParaRPr lang="en-US"/>
-          </a:p>
-        </p:txBody>
-      </p:sp>
     </p:spTree>
   </p:cSld>
   <p:clrMapOvr>
@@ -3868,47 +3906,9 @@
           <a:chExt cx="0" cy="0"/>
         </a:xfrm>
       </p:grpSpPr>
-      <p:sp>
-        <p:nvSpPr>
-          <p:cNvPr id="4" name="TextBox 3"/>
-          <p:cNvSpPr txBox="1"/>
-          <p:nvPr/>
-        </p:nvSpPr>
-        <p:spPr>
-          <a:xfrm>
-            <a:off x="1066800" y="685800"/>
-            <a:ext cx="7411260" cy="369332"/>
-          </a:xfrm>
-          <a:prstGeom prst="rect">
-            <a:avLst/>
-          </a:prstGeom>
-          <a:noFill/>
-        </p:spPr>
-        <p:txBody>
-          <a:bodyPr wrap="none" rtlCol="0">
-            <a:spAutoFit/>
-          </a:bodyPr>
-          <a:lstStyle/>
-          <a:p>
-            <a:r>
-              <a:rPr lang="en-US" dirty="0" smtClean="0"/>
-              <a:t>From the </a:t>
-            </a:r>
-            <a:r>
-              <a:rPr lang="en-US" dirty="0" err="1" smtClean="0"/>
-              <a:t>Zuur</a:t>
-            </a:r>
-            <a:r>
-              <a:rPr lang="en-US" dirty="0" smtClean="0"/>
-              <a:t> book; we can look at Pearson residuals vs. model or covariates</a:t>
-            </a:r>
-            <a:endParaRPr lang="en-US" dirty="0"/>
-          </a:p>
-        </p:txBody>
-      </p:sp>
       <p:pic>
         <p:nvPicPr>
-          <p:cNvPr id="14338" name="Picture 2"/>
+          <p:cNvPr id="2050" name="Picture 2"/>
           <p:cNvPicPr>
             <a:picLocks noChangeAspect="1" noChangeArrowheads="1"/>
           </p:cNvPicPr>
@@ -3923,8 +3923,8 @@
         </p:blipFill>
         <p:spPr bwMode="auto">
           <a:xfrm>
-            <a:off x="282575" y="1377950"/>
-            <a:ext cx="8578850" cy="4102100"/>
+            <a:off x="533400" y="762000"/>
+            <a:ext cx="8005084" cy="5334000"/>
           </a:xfrm>
           <a:prstGeom prst="rect">
             <a:avLst/>
@@ -3963,47 +3963,9 @@
           <a:chExt cx="0" cy="0"/>
         </a:xfrm>
       </p:grpSpPr>
-      <p:sp>
-        <p:nvSpPr>
-          <p:cNvPr id="6" name="TextBox 5"/>
-          <p:cNvSpPr txBox="1"/>
-          <p:nvPr/>
-        </p:nvSpPr>
-        <p:spPr>
-          <a:xfrm>
-            <a:off x="685800" y="11668"/>
-            <a:ext cx="6109558" cy="369332"/>
-          </a:xfrm>
-          <a:prstGeom prst="rect">
-            <a:avLst/>
-          </a:prstGeom>
-          <a:noFill/>
-        </p:spPr>
-        <p:txBody>
-          <a:bodyPr wrap="none" rtlCol="0">
-            <a:spAutoFit/>
-          </a:bodyPr>
-          <a:lstStyle/>
-          <a:p>
-            <a:r>
-              <a:rPr lang="en-US" dirty="0" smtClean="0"/>
-              <a:t>None of these models are free </a:t>
-            </a:r>
-            <a:r>
-              <a:rPr lang="en-US" smtClean="0"/>
-              <a:t>from patterns </a:t>
-            </a:r>
-            <a:r>
-              <a:rPr lang="en-US" dirty="0" smtClean="0"/>
-              <a:t>in their residuals..</a:t>
-            </a:r>
-            <a:endParaRPr lang="en-US" dirty="0"/>
-          </a:p>
-        </p:txBody>
-      </p:sp>
       <p:pic>
         <p:nvPicPr>
-          <p:cNvPr id="13316" name="Picture 4"/>
+          <p:cNvPr id="11267" name="Picture 3"/>
           <p:cNvPicPr>
             <a:picLocks noChangeAspect="1" noChangeArrowheads="1"/>
           </p:cNvPicPr>
@@ -4018,6 +3980,226 @@
         </p:blipFill>
         <p:spPr bwMode="auto">
           <a:xfrm>
+            <a:off x="914400" y="533399"/>
+            <a:ext cx="7467600" cy="6280329"/>
+          </a:xfrm>
+          <a:prstGeom prst="rect">
+            <a:avLst/>
+          </a:prstGeom>
+          <a:noFill/>
+          <a:ln w="9525">
+            <a:noFill/>
+            <a:miter lim="800000"/>
+            <a:headEnd/>
+            <a:tailEnd/>
+          </a:ln>
+        </p:spPr>
+      </p:pic>
+      <p:sp>
+        <p:nvSpPr>
+          <p:cNvPr id="6" name="TextBox 5"/>
+          <p:cNvSpPr txBox="1"/>
+          <p:nvPr/>
+        </p:nvSpPr>
+        <p:spPr>
+          <a:xfrm>
+            <a:off x="1371600" y="152400"/>
+            <a:ext cx="3539752" cy="369332"/>
+          </a:xfrm>
+          <a:prstGeom prst="rect">
+            <a:avLst/>
+          </a:prstGeom>
+          <a:noFill/>
+        </p:spPr>
+        <p:txBody>
+          <a:bodyPr wrap="none" rtlCol="0">
+            <a:spAutoFit/>
+          </a:bodyPr>
+          <a:lstStyle/>
+          <a:p>
+            <a:r>
+              <a:rPr lang="en-US" smtClean="0"/>
+              <a:t>A summary view of all our models…</a:t>
+            </a:r>
+            <a:endParaRPr lang="en-US"/>
+          </a:p>
+        </p:txBody>
+      </p:sp>
+    </p:spTree>
+  </p:cSld>
+  <p:clrMapOvr>
+    <a:masterClrMapping/>
+  </p:clrMapOvr>
+</p:sld>
+</file>
+
+<file path=ppt/slides/slide17.xml><?xml version="1.0" encoding="utf-8"?>
+<p:sld xmlns:a="http://schemas.openxmlformats.org/drawingml/2006/main" xmlns:r="http://schemas.openxmlformats.org/officeDocument/2006/relationships" xmlns:p="http://schemas.openxmlformats.org/presentationml/2006/main">
+  <p:cSld>
+    <p:spTree>
+      <p:nvGrpSpPr>
+        <p:cNvPr id="1" name=""/>
+        <p:cNvGrpSpPr/>
+        <p:nvPr/>
+      </p:nvGrpSpPr>
+      <p:grpSpPr>
+        <a:xfrm>
+          <a:off x="0" y="0"/>
+          <a:ext cx="0" cy="0"/>
+          <a:chOff x="0" y="0"/>
+          <a:chExt cx="0" cy="0"/>
+        </a:xfrm>
+      </p:grpSpPr>
+      <p:sp>
+        <p:nvSpPr>
+          <p:cNvPr id="4" name="TextBox 3"/>
+          <p:cNvSpPr txBox="1"/>
+          <p:nvPr/>
+        </p:nvSpPr>
+        <p:spPr>
+          <a:xfrm>
+            <a:off x="1066800" y="685800"/>
+            <a:ext cx="7411260" cy="369332"/>
+          </a:xfrm>
+          <a:prstGeom prst="rect">
+            <a:avLst/>
+          </a:prstGeom>
+          <a:noFill/>
+        </p:spPr>
+        <p:txBody>
+          <a:bodyPr wrap="none" rtlCol="0">
+            <a:spAutoFit/>
+          </a:bodyPr>
+          <a:lstStyle/>
+          <a:p>
+            <a:r>
+              <a:rPr lang="en-US" dirty="0" smtClean="0"/>
+              <a:t>From the </a:t>
+            </a:r>
+            <a:r>
+              <a:rPr lang="en-US" dirty="0" err="1" smtClean="0"/>
+              <a:t>Zuur</a:t>
+            </a:r>
+            <a:r>
+              <a:rPr lang="en-US" dirty="0" smtClean="0"/>
+              <a:t> book; we can look at Pearson residuals vs. model or covariates</a:t>
+            </a:r>
+            <a:endParaRPr lang="en-US" dirty="0"/>
+          </a:p>
+        </p:txBody>
+      </p:sp>
+      <p:pic>
+        <p:nvPicPr>
+          <p:cNvPr id="14338" name="Picture 2"/>
+          <p:cNvPicPr>
+            <a:picLocks noChangeAspect="1" noChangeArrowheads="1"/>
+          </p:cNvPicPr>
+          <p:nvPr/>
+        </p:nvPicPr>
+        <p:blipFill>
+          <a:blip r:embed="rId2" cstate="print"/>
+          <a:srcRect/>
+          <a:stretch>
+            <a:fillRect/>
+          </a:stretch>
+        </p:blipFill>
+        <p:spPr bwMode="auto">
+          <a:xfrm>
+            <a:off x="282575" y="1377950"/>
+            <a:ext cx="8578850" cy="4102100"/>
+          </a:xfrm>
+          <a:prstGeom prst="rect">
+            <a:avLst/>
+          </a:prstGeom>
+          <a:noFill/>
+          <a:ln w="9525">
+            <a:noFill/>
+            <a:miter lim="800000"/>
+            <a:headEnd/>
+            <a:tailEnd/>
+          </a:ln>
+        </p:spPr>
+      </p:pic>
+    </p:spTree>
+  </p:cSld>
+  <p:clrMapOvr>
+    <a:masterClrMapping/>
+  </p:clrMapOvr>
+</p:sld>
+</file>
+
+<file path=ppt/slides/slide18.xml><?xml version="1.0" encoding="utf-8"?>
+<p:sld xmlns:a="http://schemas.openxmlformats.org/drawingml/2006/main" xmlns:r="http://schemas.openxmlformats.org/officeDocument/2006/relationships" xmlns:p="http://schemas.openxmlformats.org/presentationml/2006/main">
+  <p:cSld>
+    <p:spTree>
+      <p:nvGrpSpPr>
+        <p:cNvPr id="1" name=""/>
+        <p:cNvGrpSpPr/>
+        <p:nvPr/>
+      </p:nvGrpSpPr>
+      <p:grpSpPr>
+        <a:xfrm>
+          <a:off x="0" y="0"/>
+          <a:ext cx="0" cy="0"/>
+          <a:chOff x="0" y="0"/>
+          <a:chExt cx="0" cy="0"/>
+        </a:xfrm>
+      </p:grpSpPr>
+      <p:sp>
+        <p:nvSpPr>
+          <p:cNvPr id="6" name="TextBox 5"/>
+          <p:cNvSpPr txBox="1"/>
+          <p:nvPr/>
+        </p:nvSpPr>
+        <p:spPr>
+          <a:xfrm>
+            <a:off x="685800" y="11668"/>
+            <a:ext cx="6109558" cy="369332"/>
+          </a:xfrm>
+          <a:prstGeom prst="rect">
+            <a:avLst/>
+          </a:prstGeom>
+          <a:noFill/>
+        </p:spPr>
+        <p:txBody>
+          <a:bodyPr wrap="none" rtlCol="0">
+            <a:spAutoFit/>
+          </a:bodyPr>
+          <a:lstStyle/>
+          <a:p>
+            <a:r>
+              <a:rPr lang="en-US" dirty="0" smtClean="0"/>
+              <a:t>None of these models are free </a:t>
+            </a:r>
+            <a:r>
+              <a:rPr lang="en-US" smtClean="0"/>
+              <a:t>from patterns </a:t>
+            </a:r>
+            <a:r>
+              <a:rPr lang="en-US" dirty="0" smtClean="0"/>
+              <a:t>in their residuals..</a:t>
+            </a:r>
+            <a:endParaRPr lang="en-US" dirty="0"/>
+          </a:p>
+        </p:txBody>
+      </p:sp>
+      <p:pic>
+        <p:nvPicPr>
+          <p:cNvPr id="13316" name="Picture 4"/>
+          <p:cNvPicPr>
+            <a:picLocks noChangeAspect="1" noChangeArrowheads="1"/>
+          </p:cNvPicPr>
+          <p:nvPr/>
+        </p:nvPicPr>
+        <p:blipFill>
+          <a:blip r:embed="rId2" cstate="print"/>
+          <a:srcRect/>
+          <a:stretch>
+            <a:fillRect/>
+          </a:stretch>
+        </p:blipFill>
+        <p:spPr bwMode="auto">
+          <a:xfrm>
             <a:off x="1066800" y="323850"/>
             <a:ext cx="6788150" cy="1123950"/>
           </a:xfrm>
@@ -4073,7 +4255,7 @@
 </p:sld>
 </file>
 
-<file path=ppt/slides/slide17.xml><?xml version="1.0" encoding="utf-8"?>
+<file path=ppt/slides/slide19.xml><?xml version="1.0" encoding="utf-8"?>
 <p:sld xmlns:a="http://schemas.openxmlformats.org/drawingml/2006/main" xmlns:r="http://schemas.openxmlformats.org/officeDocument/2006/relationships" xmlns:p="http://schemas.openxmlformats.org/presentationml/2006/main">
   <p:cSld>
     <p:spTree>
